--- a/docs/Figures/BloodChemistryWorking.pptx
+++ b/docs/Figures/BloodChemistryWorking.pptx
@@ -6,12 +6,11 @@
     <p:sldMasterId id="2147483672" r:id="rId2"/>
   </p:sldMasterIdLst>
   <p:notesMasterIdLst>
-    <p:notesMasterId r:id="rId6"/>
+    <p:notesMasterId r:id="rId5"/>
   </p:notesMasterIdLst>
   <p:sldIdLst>
-    <p:sldId id="266" r:id="rId3"/>
-    <p:sldId id="268" r:id="rId4"/>
-    <p:sldId id="269" r:id="rId5"/>
+    <p:sldId id="268" r:id="rId3"/>
+    <p:sldId id="269" r:id="rId4"/>
   </p:sldIdLst>
   <p:sldSz cx="9144000" cy="6858000" type="screen4x3"/>
   <p:notesSz cx="6996113" cy="9282113"/>
@@ -211,7 +210,7 @@
           <a:p>
             <a:fld id="{7B126BB8-5932-4ACC-8CD5-328D9DA138C9}" type="datetimeFigureOut">
               <a:rPr lang="en-US" smtClean="0"/>
-              <a:t>4/20/2017</a:t>
+              <a:t>1/7/2020</a:t>
             </a:fld>
             <a:endParaRPr lang="en-US"/>
           </a:p>
@@ -657,7 +656,7 @@
           <a:p>
             <a:fld id="{9E9AFD63-10BD-4598-9E1E-9FFECB76D2D7}" type="datetimeFigureOut">
               <a:rPr lang="en-US" smtClean="0"/>
-              <a:t>4/20/2017</a:t>
+              <a:t>1/7/2020</a:t>
             </a:fld>
             <a:endParaRPr lang="en-US"/>
           </a:p>
@@ -825,7 +824,7 @@
           <a:p>
             <a:fld id="{9E9AFD63-10BD-4598-9E1E-9FFECB76D2D7}" type="datetimeFigureOut">
               <a:rPr lang="en-US" smtClean="0"/>
-              <a:t>4/20/2017</a:t>
+              <a:t>1/7/2020</a:t>
             </a:fld>
             <a:endParaRPr lang="en-US"/>
           </a:p>
@@ -1003,7 +1002,7 @@
           <a:p>
             <a:fld id="{9E9AFD63-10BD-4598-9E1E-9FFECB76D2D7}" type="datetimeFigureOut">
               <a:rPr lang="en-US" smtClean="0"/>
-              <a:t>4/20/2017</a:t>
+              <a:t>1/7/2020</a:t>
             </a:fld>
             <a:endParaRPr lang="en-US"/>
           </a:p>
@@ -2758,7 +2757,7 @@
           <a:p>
             <a:fld id="{9E9AFD63-10BD-4598-9E1E-9FFECB76D2D7}" type="datetimeFigureOut">
               <a:rPr lang="en-US" smtClean="0"/>
-              <a:t>4/20/2017</a:t>
+              <a:t>1/7/2020</a:t>
             </a:fld>
             <a:endParaRPr lang="en-US"/>
           </a:p>
@@ -3202,7 +3201,7 @@
           <a:p>
             <a:fld id="{9E9AFD63-10BD-4598-9E1E-9FFECB76D2D7}" type="datetimeFigureOut">
               <a:rPr lang="en-US" smtClean="0"/>
-              <a:t>4/20/2017</a:t>
+              <a:t>1/7/2020</a:t>
             </a:fld>
             <a:endParaRPr lang="en-US"/>
           </a:p>
@@ -3487,7 +3486,7 @@
           <a:p>
             <a:fld id="{9E9AFD63-10BD-4598-9E1E-9FFECB76D2D7}" type="datetimeFigureOut">
               <a:rPr lang="en-US" smtClean="0"/>
-              <a:t>4/20/2017</a:t>
+              <a:t>1/7/2020</a:t>
             </a:fld>
             <a:endParaRPr lang="en-US"/>
           </a:p>
@@ -3906,7 +3905,7 @@
           <a:p>
             <a:fld id="{9E9AFD63-10BD-4598-9E1E-9FFECB76D2D7}" type="datetimeFigureOut">
               <a:rPr lang="en-US" smtClean="0"/>
-              <a:t>4/20/2017</a:t>
+              <a:t>1/7/2020</a:t>
             </a:fld>
             <a:endParaRPr lang="en-US"/>
           </a:p>
@@ -4023,7 +4022,7 @@
           <a:p>
             <a:fld id="{9E9AFD63-10BD-4598-9E1E-9FFECB76D2D7}" type="datetimeFigureOut">
               <a:rPr lang="en-US" smtClean="0"/>
-              <a:t>4/20/2017</a:t>
+              <a:t>1/7/2020</a:t>
             </a:fld>
             <a:endParaRPr lang="en-US"/>
           </a:p>
@@ -4118,7 +4117,7 @@
           <a:p>
             <a:fld id="{9E9AFD63-10BD-4598-9E1E-9FFECB76D2D7}" type="datetimeFigureOut">
               <a:rPr lang="en-US" smtClean="0"/>
-              <a:t>4/20/2017</a:t>
+              <a:t>1/7/2020</a:t>
             </a:fld>
             <a:endParaRPr lang="en-US"/>
           </a:p>
@@ -4393,7 +4392,7 @@
           <a:p>
             <a:fld id="{9E9AFD63-10BD-4598-9E1E-9FFECB76D2D7}" type="datetimeFigureOut">
               <a:rPr lang="en-US" smtClean="0"/>
-              <a:t>4/20/2017</a:t>
+              <a:t>1/7/2020</a:t>
             </a:fld>
             <a:endParaRPr lang="en-US"/>
           </a:p>
@@ -4645,7 +4644,7 @@
           <a:p>
             <a:fld id="{9E9AFD63-10BD-4598-9E1E-9FFECB76D2D7}" type="datetimeFigureOut">
               <a:rPr lang="en-US" smtClean="0"/>
-              <a:t>4/20/2017</a:t>
+              <a:t>1/7/2020</a:t>
             </a:fld>
             <a:endParaRPr lang="en-US"/>
           </a:p>
@@ -4856,7 +4855,7 @@
           <a:p>
             <a:fld id="{9E9AFD63-10BD-4598-9E1E-9FFECB76D2D7}" type="datetimeFigureOut">
               <a:rPr lang="en-US" smtClean="0"/>
-              <a:t>4/20/2017</a:t>
+              <a:t>1/7/2020</a:t>
             </a:fld>
             <a:endParaRPr lang="en-US"/>
           </a:p>
@@ -5998,427 +5997,6 @@
 </file>
 
 <file path=ppt/slides/slide1.xml><?xml version="1.0" encoding="utf-8"?>
-<p:sld xmlns:a="http://schemas.openxmlformats.org/drawingml/2006/main" xmlns:r="http://schemas.openxmlformats.org/officeDocument/2006/relationships" xmlns:p="http://schemas.openxmlformats.org/presentationml/2006/main">
-  <p:cSld>
-    <p:spTree>
-      <p:nvGrpSpPr>
-        <p:cNvPr id="1" name=""/>
-        <p:cNvGrpSpPr/>
-        <p:nvPr/>
-      </p:nvGrpSpPr>
-      <p:grpSpPr>
-        <a:xfrm>
-          <a:off x="0" y="0"/>
-          <a:ext cx="0" cy="0"/>
-          <a:chOff x="0" y="0"/>
-          <a:chExt cx="0" cy="0"/>
-        </a:xfrm>
-      </p:grpSpPr>
-      <p:sp>
-        <p:nvSpPr>
-          <p:cNvPr id="6" name="Rounded Rectangle 5"/>
-          <p:cNvSpPr/>
-          <p:nvPr/>
-        </p:nvSpPr>
-        <p:spPr>
-          <a:xfrm>
-            <a:off x="1524000" y="4049539"/>
-            <a:ext cx="990600" cy="457200"/>
-          </a:xfrm>
-          <a:prstGeom prst="roundRect">
-            <a:avLst/>
-          </a:prstGeom>
-        </p:spPr>
-        <p:style>
-          <a:lnRef idx="2">
-            <a:schemeClr val="accent1">
-              <a:shade val="50000"/>
-            </a:schemeClr>
-          </a:lnRef>
-          <a:fillRef idx="1">
-            <a:schemeClr val="accent1"/>
-          </a:fillRef>
-          <a:effectRef idx="0">
-            <a:schemeClr val="accent1"/>
-          </a:effectRef>
-          <a:fontRef idx="minor">
-            <a:schemeClr val="lt1"/>
-          </a:fontRef>
-        </p:style>
-        <p:txBody>
-          <a:bodyPr rtlCol="0" anchor="t" anchorCtr="0"/>
-          <a:lstStyle/>
-          <a:p>
-            <a:pPr algn="ctr"/>
-            <a:r>
-              <a:rPr lang="en-US" sz="1050" b="1" u="sng" dirty="0">
-                <a:solidFill>
-                  <a:prstClr val="white"/>
-                </a:solidFill>
-              </a:rPr>
-              <a:t>Preprocess</a:t>
-            </a:r>
-          </a:p>
-        </p:txBody>
-      </p:sp>
-      <p:sp>
-        <p:nvSpPr>
-          <p:cNvPr id="26" name="Rounded Rectangle 25"/>
-          <p:cNvSpPr/>
-          <p:nvPr/>
-        </p:nvSpPr>
-        <p:spPr>
-          <a:xfrm>
-            <a:off x="3162300" y="3478039"/>
-            <a:ext cx="2743200" cy="1600200"/>
-          </a:xfrm>
-          <a:prstGeom prst="roundRect">
-            <a:avLst/>
-          </a:prstGeom>
-        </p:spPr>
-        <p:style>
-          <a:lnRef idx="2">
-            <a:schemeClr val="accent1">
-              <a:shade val="50000"/>
-            </a:schemeClr>
-          </a:lnRef>
-          <a:fillRef idx="1">
-            <a:schemeClr val="accent1"/>
-          </a:fillRef>
-          <a:effectRef idx="0">
-            <a:schemeClr val="accent1"/>
-          </a:effectRef>
-          <a:fontRef idx="minor">
-            <a:schemeClr val="lt1"/>
-          </a:fontRef>
-        </p:style>
-        <p:txBody>
-          <a:bodyPr rtlCol="0" anchor="t" anchorCtr="0"/>
-          <a:lstStyle/>
-          <a:p>
-            <a:pPr algn="ctr"/>
-            <a:r>
-              <a:rPr lang="en-US" sz="1050" b="1" u="sng" dirty="0">
-                <a:solidFill>
-                  <a:prstClr val="white"/>
-                </a:solidFill>
-              </a:rPr>
-              <a:t>Process</a:t>
-            </a:r>
-          </a:p>
-          <a:p>
-            <a:pPr marL="119063" indent="-119063">
-              <a:buFont typeface="Arial" pitchFamily="34" charset="0"/>
-              <a:buChar char="•"/>
-            </a:pPr>
-            <a:r>
-              <a:rPr lang="en-US" sz="1050" i="1" dirty="0"/>
-              <a:t>Set all blood substance concentrations and blood gas levels based on compartment values</a:t>
-            </a:r>
-          </a:p>
-          <a:p>
-            <a:pPr marL="119063" indent="-119063">
-              <a:buFont typeface="Arial" pitchFamily="34" charset="0"/>
-              <a:buChar char="•"/>
-            </a:pPr>
-            <a:r>
-              <a:rPr lang="en-US" sz="1050" i="1" dirty="0"/>
-              <a:t>Calculate blood cell counts, hematocrit, and plasma volume</a:t>
-            </a:r>
-            <a:endParaRPr lang="en-US" sz="1050" dirty="0"/>
-          </a:p>
-          <a:p>
-            <a:pPr marL="119063" indent="-119063">
-              <a:buFont typeface="Arial" pitchFamily="34" charset="0"/>
-              <a:buChar char="•"/>
-            </a:pPr>
-            <a:r>
-              <a:rPr lang="en-US" sz="1050" i="1" dirty="0"/>
-              <a:t>Check blood gas levels in specific compartments and set events and irreversible states as needed</a:t>
-            </a:r>
-            <a:endParaRPr lang="en-US" sz="1050" i="1" dirty="0">
-              <a:solidFill>
-                <a:prstClr val="white"/>
-              </a:solidFill>
-            </a:endParaRPr>
-          </a:p>
-        </p:txBody>
-      </p:sp>
-      <p:sp>
-        <p:nvSpPr>
-          <p:cNvPr id="27" name="Rounded Rectangle 26"/>
-          <p:cNvSpPr/>
-          <p:nvPr/>
-        </p:nvSpPr>
-        <p:spPr>
-          <a:xfrm>
-            <a:off x="6553200" y="4049539"/>
-            <a:ext cx="1034561" cy="457200"/>
-          </a:xfrm>
-          <a:prstGeom prst="roundRect">
-            <a:avLst/>
-          </a:prstGeom>
-        </p:spPr>
-        <p:style>
-          <a:lnRef idx="2">
-            <a:schemeClr val="accent1">
-              <a:shade val="50000"/>
-            </a:schemeClr>
-          </a:lnRef>
-          <a:fillRef idx="1">
-            <a:schemeClr val="accent1"/>
-          </a:fillRef>
-          <a:effectRef idx="0">
-            <a:schemeClr val="accent1"/>
-          </a:effectRef>
-          <a:fontRef idx="minor">
-            <a:schemeClr val="lt1"/>
-          </a:fontRef>
-        </p:style>
-        <p:txBody>
-          <a:bodyPr rtlCol="0" anchor="t" anchorCtr="0"/>
-          <a:lstStyle/>
-          <a:p>
-            <a:pPr algn="ctr"/>
-            <a:r>
-              <a:rPr lang="en-US" sz="1050" b="1" u="sng" dirty="0" err="1">
-                <a:solidFill>
-                  <a:prstClr val="white"/>
-                </a:solidFill>
-              </a:rPr>
-              <a:t>PostProcess</a:t>
-            </a:r>
-            <a:endParaRPr lang="en-US" sz="1050" b="1" u="sng" dirty="0">
-              <a:solidFill>
-                <a:prstClr val="white"/>
-              </a:solidFill>
-            </a:endParaRPr>
-          </a:p>
-        </p:txBody>
-      </p:sp>
-      <p:sp>
-        <p:nvSpPr>
-          <p:cNvPr id="28" name="Rounded Rectangle 27"/>
-          <p:cNvSpPr/>
-          <p:nvPr/>
-        </p:nvSpPr>
-        <p:spPr>
-          <a:xfrm>
-            <a:off x="3609973" y="2590800"/>
-            <a:ext cx="1771650" cy="685800"/>
-          </a:xfrm>
-          <a:prstGeom prst="roundRect">
-            <a:avLst/>
-          </a:prstGeom>
-        </p:spPr>
-        <p:style>
-          <a:lnRef idx="2">
-            <a:schemeClr val="accent1">
-              <a:shade val="50000"/>
-            </a:schemeClr>
-          </a:lnRef>
-          <a:fillRef idx="1">
-            <a:schemeClr val="accent1"/>
-          </a:fillRef>
-          <a:effectRef idx="0">
-            <a:schemeClr val="accent1"/>
-          </a:effectRef>
-          <a:fontRef idx="minor">
-            <a:schemeClr val="lt1"/>
-          </a:fontRef>
-        </p:style>
-        <p:txBody>
-          <a:bodyPr rtlCol="0" anchor="t" anchorCtr="0"/>
-          <a:lstStyle/>
-          <a:p>
-            <a:pPr algn="ctr"/>
-            <a:r>
-              <a:rPr lang="en-US" sz="1050" b="1" u="sng" dirty="0">
-                <a:solidFill>
-                  <a:prstClr val="white"/>
-                </a:solidFill>
-              </a:rPr>
-              <a:t>Assessments</a:t>
-            </a:r>
-          </a:p>
-          <a:p>
-            <a:pPr marL="119063" indent="-119063">
-              <a:buFont typeface="Arial" pitchFamily="34" charset="0"/>
-              <a:buChar char="•"/>
-            </a:pPr>
-            <a:r>
-              <a:rPr lang="en-US" sz="1050" i="1" dirty="0"/>
-              <a:t>Complete Blood Count</a:t>
-            </a:r>
-          </a:p>
-          <a:p>
-            <a:pPr marL="119063" indent="-119063">
-              <a:buFont typeface="Arial" pitchFamily="34" charset="0"/>
-              <a:buChar char="•"/>
-            </a:pPr>
-            <a:r>
-              <a:rPr lang="en-US" sz="1050" i="1" dirty="0">
-                <a:solidFill>
-                  <a:prstClr val="white"/>
-                </a:solidFill>
-              </a:rPr>
-              <a:t>Metabolic Panel</a:t>
-            </a:r>
-          </a:p>
-        </p:txBody>
-      </p:sp>
-      <p:sp>
-        <p:nvSpPr>
-          <p:cNvPr id="34" name="Down Arrow 33"/>
-          <p:cNvSpPr/>
-          <p:nvPr/>
-        </p:nvSpPr>
-        <p:spPr>
-          <a:xfrm rot="16200000">
-            <a:off x="6000750" y="4049539"/>
-            <a:ext cx="457200" cy="457200"/>
-          </a:xfrm>
-          <a:prstGeom prst="downArrow">
-            <a:avLst/>
-          </a:prstGeom>
-        </p:spPr>
-        <p:style>
-          <a:lnRef idx="2">
-            <a:schemeClr val="dk1">
-              <a:shade val="50000"/>
-            </a:schemeClr>
-          </a:lnRef>
-          <a:fillRef idx="1">
-            <a:schemeClr val="dk1"/>
-          </a:fillRef>
-          <a:effectRef idx="0">
-            <a:schemeClr val="dk1"/>
-          </a:effectRef>
-          <a:fontRef idx="minor">
-            <a:schemeClr val="lt1"/>
-          </a:fontRef>
-        </p:style>
-        <p:txBody>
-          <a:bodyPr rtlCol="0" anchor="ctr"/>
-          <a:lstStyle/>
-          <a:p>
-            <a:pPr algn="ctr"/>
-            <a:endParaRPr lang="en-US">
-              <a:solidFill>
-                <a:prstClr val="white"/>
-              </a:solidFill>
-            </a:endParaRPr>
-          </a:p>
-        </p:txBody>
-      </p:sp>
-      <p:sp>
-        <p:nvSpPr>
-          <p:cNvPr id="2" name="U-Turn Arrow 1"/>
-          <p:cNvSpPr/>
-          <p:nvPr/>
-        </p:nvSpPr>
-        <p:spPr>
-          <a:xfrm rot="10800000">
-            <a:off x="1752598" y="4596680"/>
-            <a:ext cx="5486401" cy="914400"/>
-          </a:xfrm>
-          <a:prstGeom prst="uturnArrow">
-            <a:avLst>
-              <a:gd name="adj1" fmla="val 25000"/>
-              <a:gd name="adj2" fmla="val 25000"/>
-              <a:gd name="adj3" fmla="val 25000"/>
-              <a:gd name="adj4" fmla="val 43750"/>
-              <a:gd name="adj5" fmla="val 100000"/>
-            </a:avLst>
-          </a:prstGeom>
-        </p:spPr>
-        <p:style>
-          <a:lnRef idx="2">
-            <a:schemeClr val="dk1">
-              <a:shade val="50000"/>
-            </a:schemeClr>
-          </a:lnRef>
-          <a:fillRef idx="1">
-            <a:schemeClr val="dk1"/>
-          </a:fillRef>
-          <a:effectRef idx="0">
-            <a:schemeClr val="dk1"/>
-          </a:effectRef>
-          <a:fontRef idx="minor">
-            <a:schemeClr val="lt1"/>
-          </a:fontRef>
-        </p:style>
-        <p:txBody>
-          <a:bodyPr rtlCol="0" anchor="ctr"/>
-          <a:lstStyle/>
-          <a:p>
-            <a:pPr algn="ctr"/>
-            <a:endParaRPr lang="en-US">
-              <a:solidFill>
-                <a:prstClr val="white"/>
-              </a:solidFill>
-            </a:endParaRPr>
-          </a:p>
-        </p:txBody>
-      </p:sp>
-      <p:sp>
-        <p:nvSpPr>
-          <p:cNvPr id="13" name="Down Arrow 12"/>
-          <p:cNvSpPr/>
-          <p:nvPr/>
-        </p:nvSpPr>
-        <p:spPr>
-          <a:xfrm rot="16200000">
-            <a:off x="2609850" y="4049539"/>
-            <a:ext cx="457200" cy="457200"/>
-          </a:xfrm>
-          <a:prstGeom prst="downArrow">
-            <a:avLst/>
-          </a:prstGeom>
-        </p:spPr>
-        <p:style>
-          <a:lnRef idx="2">
-            <a:schemeClr val="dk1">
-              <a:shade val="50000"/>
-            </a:schemeClr>
-          </a:lnRef>
-          <a:fillRef idx="1">
-            <a:schemeClr val="dk1"/>
-          </a:fillRef>
-          <a:effectRef idx="0">
-            <a:schemeClr val="dk1"/>
-          </a:effectRef>
-          <a:fontRef idx="minor">
-            <a:schemeClr val="lt1"/>
-          </a:fontRef>
-        </p:style>
-        <p:txBody>
-          <a:bodyPr rtlCol="0" anchor="ctr"/>
-          <a:lstStyle/>
-          <a:p>
-            <a:pPr algn="ctr"/>
-            <a:endParaRPr lang="en-US">
-              <a:solidFill>
-                <a:prstClr val="white"/>
-              </a:solidFill>
-            </a:endParaRPr>
-          </a:p>
-        </p:txBody>
-      </p:sp>
-    </p:spTree>
-    <p:extLst>
-      <p:ext uri="{BB962C8B-B14F-4D97-AF65-F5344CB8AC3E}">
-        <p14:creationId xmlns:p14="http://schemas.microsoft.com/office/powerpoint/2010/main" val="4168358825"/>
-      </p:ext>
-    </p:extLst>
-  </p:cSld>
-  <p:clrMapOvr>
-    <a:masterClrMapping/>
-  </p:clrMapOvr>
-</p:sld>
-</file>
-
-<file path=ppt/slides/slide2.xml><?xml version="1.0" encoding="utf-8"?>
 <p:sld xmlns:a="http://schemas.openxmlformats.org/drawingml/2006/main" xmlns:r="http://schemas.openxmlformats.org/officeDocument/2006/relationships" xmlns:p="http://schemas.openxmlformats.org/presentationml/2006/main">
   <p:cSld>
     <p:spTree>
@@ -7641,7 +7219,7 @@
 </p:sld>
 </file>
 
-<file path=ppt/slides/slide3.xml><?xml version="1.0" encoding="utf-8"?>
+<file path=ppt/slides/slide2.xml><?xml version="1.0" encoding="utf-8"?>
 <p:sld xmlns:a="http://schemas.openxmlformats.org/drawingml/2006/main" xmlns:r="http://schemas.openxmlformats.org/officeDocument/2006/relationships" xmlns:p="http://schemas.openxmlformats.org/presentationml/2006/main">
   <p:cSld>
     <p:spTree>
